--- a/擴增實境之角色扮演遊戲(期中報告)(2).pptx
+++ b/擴增實境之角色扮演遊戲(期中報告)(2).pptx
@@ -8087,7 +8087,28 @@
                 <a:latin typeface="標楷體" panose="03000509000000000000" pitchFamily="65" charset="-120"/>
                 <a:ea typeface="標楷體" panose="03000509000000000000" pitchFamily="65" charset="-120"/>
               </a:rPr>
-              <a:t>元件設計，資料蒐集</a:t>
+              <a:t>元件設計，資料</a:t>
+            </a:r>
+            <a:r>
+              <a:rPr lang="zh-TW" altLang="en-US" sz="2600" dirty="0" smtClean="0">
+                <a:latin typeface="標楷體" panose="03000509000000000000" pitchFamily="65" charset="-120"/>
+                <a:ea typeface="標楷體" panose="03000509000000000000" pitchFamily="65" charset="-120"/>
+              </a:rPr>
+              <a:t>蒐集，</a:t>
+            </a:r>
+            <a:r>
+              <a:rPr lang="en-US" altLang="zh-TW" sz="2600" dirty="0" smtClean="0">
+                <a:latin typeface="標楷體" panose="03000509000000000000" pitchFamily="65" charset="-120"/>
+                <a:ea typeface="標楷體" panose="03000509000000000000" pitchFamily="65" charset="-120"/>
+              </a:rPr>
+              <a:t>UML</a:t>
+            </a:r>
+            <a:r>
+              <a:rPr lang="zh-TW" altLang="en-US" sz="2600" dirty="0" smtClean="0">
+                <a:latin typeface="標楷體" panose="03000509000000000000" pitchFamily="65" charset="-120"/>
+                <a:ea typeface="標楷體" panose="03000509000000000000" pitchFamily="65" charset="-120"/>
+              </a:rPr>
+              <a:t>圖繪製</a:t>
             </a:r>
             <a:endParaRPr lang="en-US" altLang="zh-TW" sz="2600" dirty="0" smtClean="0">
               <a:latin typeface="標楷體" panose="03000509000000000000" pitchFamily="65" charset="-120"/>
